--- a/docs/diagrams/UiComponentClassDiagram.pptx
+++ b/docs/diagrams/UiComponentClassDiagram.pptx
@@ -126,6 +126,10 @@
 </p:presentation>
 </file>
 
+<file path=ppt/revisionInfo.xml><?xml version="1.0" encoding="utf-8"?>
+<p1510:revInfo xmlns:a="http://schemas.openxmlformats.org/drawingml/2006/main" xmlns:r="http://schemas.openxmlformats.org/officeDocument/2006/relationships" xmlns:p1510="http://schemas.microsoft.com/office/powerpoint/2015/10/main"/>
+</file>
+
 <file path=ppt/notesMasters/notesMaster1.xml><?xml version="1.0" encoding="utf-8"?>
 <p:notesMaster xmlns:a="http://schemas.openxmlformats.org/drawingml/2006/main" xmlns:r="http://schemas.openxmlformats.org/officeDocument/2006/relationships" xmlns:p="http://schemas.openxmlformats.org/presentationml/2006/main">
   <p:cSld>
@@ -208,7 +212,7 @@
           <a:p>
             <a:fld id="{F5CC4B3F-88C1-4FFA-B1B6-F41C21DC6924}" type="datetimeFigureOut">
               <a:rPr lang="en-US" smtClean="0"/>
-              <a:t>1/7/2017</a:t>
+              <a:t>7/11/2017</a:t>
             </a:fld>
             <a:endParaRPr lang="en-US"/>
           </a:p>
@@ -654,7 +658,7 @@
           <a:p>
             <a:fld id="{78C97017-6FC3-485B-9764-EAC9E56C1D49}" type="datetimeFigureOut">
               <a:rPr lang="en-US" smtClean="0"/>
-              <a:t>1/7/2017</a:t>
+              <a:t>7/11/2017</a:t>
             </a:fld>
             <a:endParaRPr lang="en-US"/>
           </a:p>
@@ -822,7 +826,7 @@
           <a:p>
             <a:fld id="{78C97017-6FC3-485B-9764-EAC9E56C1D49}" type="datetimeFigureOut">
               <a:rPr lang="en-US" smtClean="0"/>
-              <a:t>1/7/2017</a:t>
+              <a:t>7/11/2017</a:t>
             </a:fld>
             <a:endParaRPr lang="en-US"/>
           </a:p>
@@ -1000,7 +1004,7 @@
           <a:p>
             <a:fld id="{78C97017-6FC3-485B-9764-EAC9E56C1D49}" type="datetimeFigureOut">
               <a:rPr lang="en-US" smtClean="0"/>
-              <a:t>1/7/2017</a:t>
+              <a:t>7/11/2017</a:t>
             </a:fld>
             <a:endParaRPr lang="en-US"/>
           </a:p>
@@ -1168,7 +1172,7 @@
           <a:p>
             <a:fld id="{78C97017-6FC3-485B-9764-EAC9E56C1D49}" type="datetimeFigureOut">
               <a:rPr lang="en-US" smtClean="0"/>
-              <a:t>1/7/2017</a:t>
+              <a:t>7/11/2017</a:t>
             </a:fld>
             <a:endParaRPr lang="en-US"/>
           </a:p>
@@ -1413,7 +1417,7 @@
           <a:p>
             <a:fld id="{78C97017-6FC3-485B-9764-EAC9E56C1D49}" type="datetimeFigureOut">
               <a:rPr lang="en-US" smtClean="0"/>
-              <a:t>1/7/2017</a:t>
+              <a:t>7/11/2017</a:t>
             </a:fld>
             <a:endParaRPr lang="en-US"/>
           </a:p>
@@ -1698,7 +1702,7 @@
           <a:p>
             <a:fld id="{78C97017-6FC3-485B-9764-EAC9E56C1D49}" type="datetimeFigureOut">
               <a:rPr lang="en-US" smtClean="0"/>
-              <a:t>1/7/2017</a:t>
+              <a:t>7/11/2017</a:t>
             </a:fld>
             <a:endParaRPr lang="en-US"/>
           </a:p>
@@ -2117,7 +2121,7 @@
           <a:p>
             <a:fld id="{78C97017-6FC3-485B-9764-EAC9E56C1D49}" type="datetimeFigureOut">
               <a:rPr lang="en-US" smtClean="0"/>
-              <a:t>1/7/2017</a:t>
+              <a:t>7/11/2017</a:t>
             </a:fld>
             <a:endParaRPr lang="en-US"/>
           </a:p>
@@ -2234,7 +2238,7 @@
           <a:p>
             <a:fld id="{78C97017-6FC3-485B-9764-EAC9E56C1D49}" type="datetimeFigureOut">
               <a:rPr lang="en-US" smtClean="0"/>
-              <a:t>1/7/2017</a:t>
+              <a:t>7/11/2017</a:t>
             </a:fld>
             <a:endParaRPr lang="en-US"/>
           </a:p>
@@ -2329,7 +2333,7 @@
           <a:p>
             <a:fld id="{78C97017-6FC3-485B-9764-EAC9E56C1D49}" type="datetimeFigureOut">
               <a:rPr lang="en-US" smtClean="0"/>
-              <a:t>1/7/2017</a:t>
+              <a:t>7/11/2017</a:t>
             </a:fld>
             <a:endParaRPr lang="en-US"/>
           </a:p>
@@ -2604,7 +2608,7 @@
           <a:p>
             <a:fld id="{78C97017-6FC3-485B-9764-EAC9E56C1D49}" type="datetimeFigureOut">
               <a:rPr lang="en-US" smtClean="0"/>
-              <a:t>1/7/2017</a:t>
+              <a:t>7/11/2017</a:t>
             </a:fld>
             <a:endParaRPr lang="en-US"/>
           </a:p>
@@ -2856,7 +2860,7 @@
           <a:p>
             <a:fld id="{78C97017-6FC3-485B-9764-EAC9E56C1D49}" type="datetimeFigureOut">
               <a:rPr lang="en-US" smtClean="0"/>
-              <a:t>1/7/2017</a:t>
+              <a:t>7/11/2017</a:t>
             </a:fld>
             <a:endParaRPr lang="en-US"/>
           </a:p>
@@ -3067,7 +3071,7 @@
           <a:p>
             <a:fld id="{78C97017-6FC3-485B-9764-EAC9E56C1D49}" type="datetimeFigureOut">
               <a:rPr lang="en-US" smtClean="0"/>
-              <a:t>1/7/2017</a:t>
+              <a:t>7/11/2017</a:t>
             </a:fld>
             <a:endParaRPr lang="en-US"/>
           </a:p>
@@ -3450,7 +3454,7 @@
         </p:nvSpPr>
         <p:spPr>
           <a:xfrm>
-            <a:off x="1217465" y="1447800"/>
+            <a:off x="1676400" y="1295400"/>
             <a:ext cx="4917083" cy="3962400"/>
           </a:xfrm>
           <a:prstGeom prst="roundRect">
@@ -3512,7 +3516,7 @@
         </p:nvSpPr>
         <p:spPr>
           <a:xfrm>
-            <a:off x="2095948" y="2341220"/>
+            <a:off x="2556688" y="2178763"/>
             <a:ext cx="1093635" cy="346760"/>
           </a:xfrm>
           <a:prstGeom prst="rect">
@@ -3572,8 +3576,8 @@
         </p:nvSpPr>
         <p:spPr>
           <a:xfrm>
-            <a:off x="2592528" y="2971800"/>
-            <a:ext cx="1093635" cy="236841"/>
+            <a:off x="3053268" y="2809343"/>
+            <a:ext cx="1444342" cy="236841"/>
           </a:xfrm>
           <a:prstGeom prst="rect">
             <a:avLst/>
@@ -3632,7 +3636,7 @@
         </p:nvSpPr>
         <p:spPr>
           <a:xfrm>
-            <a:off x="2092842" y="1770924"/>
+            <a:off x="2553582" y="1608467"/>
             <a:ext cx="1093635" cy="346760"/>
           </a:xfrm>
           <a:prstGeom prst="rect">
@@ -3694,7 +3698,7 @@
         </p:nvCxnSpPr>
         <p:spPr>
           <a:xfrm rot="16200000" flipH="1">
-            <a:off x="2529445" y="2227899"/>
+            <a:off x="2990185" y="2065442"/>
             <a:ext cx="223536" cy="3106"/>
           </a:xfrm>
           <a:prstGeom prst="bentConnector3">
@@ -3734,7 +3738,7 @@
         </p:nvSpPr>
         <p:spPr>
           <a:xfrm rot="10800000" flipV="1">
-            <a:off x="5394717" y="2110477"/>
+            <a:off x="5855457" y="1948020"/>
             <a:ext cx="270504" cy="175523"/>
           </a:xfrm>
           <a:prstGeom prst="triangle">
@@ -3782,7 +3786,7 @@
         </p:nvCxnSpPr>
         <p:spPr>
           <a:xfrm flipV="1">
-            <a:off x="644735" y="2991937"/>
+            <a:off x="1105475" y="2829480"/>
             <a:ext cx="684904" cy="1"/>
           </a:xfrm>
           <a:prstGeom prst="bentConnector3">
@@ -3825,7 +3829,7 @@
         </p:nvSpPr>
         <p:spPr>
           <a:xfrm rot="16200000">
-            <a:off x="5703829" y="2464877"/>
+            <a:off x="6164569" y="2302420"/>
             <a:ext cx="2362201" cy="328045"/>
           </a:xfrm>
           <a:prstGeom prst="roundRect">
@@ -3885,8 +3889,8 @@
         </p:nvSpPr>
         <p:spPr>
           <a:xfrm>
-            <a:off x="2592528" y="3649359"/>
-            <a:ext cx="1093635" cy="236841"/>
+            <a:off x="3053268" y="3496995"/>
+            <a:ext cx="1446072" cy="220477"/>
           </a:xfrm>
           <a:prstGeom prst="rect">
             <a:avLst/>
@@ -3925,7 +3929,7 @@
                   </a:schemeClr>
                 </a:solidFill>
               </a:rPr>
-              <a:t>BrowserPanel</a:t>
+              <a:t>EventListPanel</a:t>
             </a:r>
             <a:endParaRPr lang="en-SG" sz="1050" b="1" dirty="0">
               <a:solidFill>
@@ -3945,8 +3949,8 @@
         </p:nvSpPr>
         <p:spPr>
           <a:xfrm>
-            <a:off x="2592527" y="4563759"/>
-            <a:ext cx="1093635" cy="236841"/>
+            <a:off x="3053267" y="4629902"/>
+            <a:ext cx="1446073" cy="236841"/>
           </a:xfrm>
           <a:prstGeom prst="rect">
             <a:avLst/>
@@ -4005,8 +4009,8 @@
         </p:nvSpPr>
         <p:spPr>
           <a:xfrm>
-            <a:off x="2592526" y="3991960"/>
-            <a:ext cx="1093635" cy="236841"/>
+            <a:off x="3053266" y="3829503"/>
+            <a:ext cx="1446074" cy="236841"/>
           </a:xfrm>
           <a:prstGeom prst="rect">
             <a:avLst/>
@@ -4045,7 +4049,7 @@
                   </a:schemeClr>
                 </a:solidFill>
               </a:rPr>
-              <a:t>PersonListPanel</a:t>
+              <a:t>DeadlineListPanel</a:t>
             </a:r>
             <a:endParaRPr lang="en-SG" sz="1050" b="1" dirty="0">
               <a:solidFill>
@@ -4065,8 +4069,8 @@
         </p:nvSpPr>
         <p:spPr>
           <a:xfrm>
-            <a:off x="3839323" y="4228801"/>
-            <a:ext cx="1040906" cy="236841"/>
+            <a:off x="4636447" y="4414172"/>
+            <a:ext cx="1200793" cy="236841"/>
           </a:xfrm>
           <a:prstGeom prst="rect">
             <a:avLst/>
@@ -4105,7 +4109,7 @@
                   </a:schemeClr>
                 </a:solidFill>
               </a:rPr>
-              <a:t>PersonCard</a:t>
+              <a:t>FloatingTaskCard</a:t>
             </a:r>
             <a:endParaRPr lang="en-SG" sz="1050" b="1" dirty="0">
               <a:solidFill>
@@ -4125,8 +4129,8 @@
         </p:nvSpPr>
         <p:spPr>
           <a:xfrm>
-            <a:off x="2592528" y="4966000"/>
-            <a:ext cx="1093635" cy="236841"/>
+            <a:off x="3053268" y="4934702"/>
+            <a:ext cx="1446072" cy="236841"/>
           </a:xfrm>
           <a:prstGeom prst="rect">
             <a:avLst/>
@@ -4185,7 +4189,7 @@
         </p:nvSpPr>
         <p:spPr>
           <a:xfrm>
-            <a:off x="2324548" y="2706452"/>
+            <a:off x="2785288" y="2543995"/>
             <a:ext cx="183156" cy="161573"/>
           </a:xfrm>
           <a:prstGeom prst="flowChartDecision">
@@ -4236,7 +4240,7 @@
         </p:nvCxnSpPr>
         <p:spPr>
           <a:xfrm rot="16200000" flipH="1">
-            <a:off x="2393229" y="2890922"/>
+            <a:off x="2853969" y="2728465"/>
             <a:ext cx="222196" cy="176402"/>
           </a:xfrm>
           <a:prstGeom prst="bentConnector2">
@@ -4274,8 +4278,8 @@
         </p:nvSpPr>
         <p:spPr>
           <a:xfrm>
-            <a:off x="2590799" y="3304308"/>
-            <a:ext cx="1095361" cy="236841"/>
+            <a:off x="3051539" y="3141851"/>
+            <a:ext cx="1447801" cy="236841"/>
           </a:xfrm>
           <a:prstGeom prst="rect">
             <a:avLst/>
@@ -4337,8 +4341,8 @@
         </p:nvCxnSpPr>
         <p:spPr>
           <a:xfrm rot="16200000" flipH="1">
-            <a:off x="2054450" y="3229701"/>
-            <a:ext cx="899755" cy="176402"/>
+            <a:off x="2514234" y="3068200"/>
+            <a:ext cx="901666" cy="176402"/>
           </a:xfrm>
           <a:prstGeom prst="bentConnector2">
             <a:avLst/>
@@ -4378,7 +4382,7 @@
         </p:nvCxnSpPr>
         <p:spPr>
           <a:xfrm rot="16200000" flipH="1">
-            <a:off x="1883148" y="3401003"/>
+            <a:off x="2343888" y="3238546"/>
             <a:ext cx="1242356" cy="176400"/>
           </a:xfrm>
           <a:prstGeom prst="bentConnector2">
@@ -4419,8 +4423,8 @@
         </p:nvCxnSpPr>
         <p:spPr>
           <a:xfrm rot="16200000" flipH="1">
-            <a:off x="1597249" y="3686901"/>
-            <a:ext cx="1814155" cy="176401"/>
+            <a:off x="1943689" y="3638744"/>
+            <a:ext cx="2042755" cy="176401"/>
           </a:xfrm>
           <a:prstGeom prst="bentConnector2">
             <a:avLst/>
@@ -4459,8 +4463,8 @@
         </p:nvCxnSpPr>
         <p:spPr>
           <a:xfrm rot="16200000" flipH="1">
-            <a:off x="1184119" y="3676012"/>
-            <a:ext cx="2396440" cy="420377"/>
+            <a:off x="1587418" y="3587273"/>
+            <a:ext cx="2527598" cy="404102"/>
           </a:xfrm>
           <a:prstGeom prst="bentConnector2">
             <a:avLst/>
@@ -4497,7 +4501,7 @@
         </p:nvSpPr>
         <p:spPr>
           <a:xfrm>
-            <a:off x="5143948" y="1770924"/>
+            <a:off x="5604688" y="1608467"/>
             <a:ext cx="772043" cy="346760"/>
           </a:xfrm>
           <a:prstGeom prst="rect">
@@ -4579,8 +4583,8 @@
         </p:nvCxnSpPr>
         <p:spPr>
           <a:xfrm flipV="1">
-            <a:off x="3686160" y="2286000"/>
-            <a:ext cx="1843809" cy="1136729"/>
+            <a:off x="4499340" y="2123543"/>
+            <a:ext cx="1491369" cy="1136729"/>
           </a:xfrm>
           <a:prstGeom prst="bentConnector2">
             <a:avLst/>
@@ -4620,8 +4624,8 @@
         </p:nvCxnSpPr>
         <p:spPr>
           <a:xfrm rot="5400000">
-            <a:off x="4174488" y="2991741"/>
-            <a:ext cx="2061222" cy="649740"/>
+            <a:off x="4709450" y="3251334"/>
+            <a:ext cx="2409050" cy="153469"/>
           </a:xfrm>
           <a:prstGeom prst="bentConnector2">
             <a:avLst/>
@@ -4661,8 +4665,8 @@
         </p:nvCxnSpPr>
         <p:spPr>
           <a:xfrm rot="5400000">
-            <a:off x="3867176" y="2104987"/>
-            <a:ext cx="1481780" cy="1843806"/>
+            <a:off x="4503180" y="2119704"/>
+            <a:ext cx="1483691" cy="1491369"/>
           </a:xfrm>
           <a:prstGeom prst="bentConnector2">
             <a:avLst/>
@@ -4702,7 +4706,7 @@
         </p:nvCxnSpPr>
         <p:spPr>
           <a:xfrm flipV="1">
-            <a:off x="3189583" y="2286000"/>
+            <a:off x="3650323" y="2123543"/>
             <a:ext cx="2340386" cy="228600"/>
           </a:xfrm>
           <a:prstGeom prst="bentConnector2">
@@ -4743,8 +4747,8 @@
         </p:nvCxnSpPr>
         <p:spPr>
           <a:xfrm rot="5400000">
-            <a:off x="3409976" y="2562187"/>
-            <a:ext cx="2396180" cy="1843807"/>
+            <a:off x="3932635" y="2690249"/>
+            <a:ext cx="2624780" cy="1491369"/>
           </a:xfrm>
           <a:prstGeom prst="bentConnector2">
             <a:avLst/>
@@ -4784,8 +4788,8 @@
         </p:nvCxnSpPr>
         <p:spPr>
           <a:xfrm rot="5400000">
-            <a:off x="3208856" y="2763307"/>
-            <a:ext cx="2798421" cy="1843806"/>
+            <a:off x="3780235" y="2842649"/>
+            <a:ext cx="2929580" cy="1491369"/>
           </a:xfrm>
           <a:prstGeom prst="bentConnector2">
             <a:avLst/>
@@ -4824,7 +4828,7 @@
         </p:nvCxnSpPr>
         <p:spPr>
           <a:xfrm rot="5400000" flipH="1" flipV="1">
-            <a:off x="4594921" y="-355061"/>
+            <a:off x="5055661" y="-517518"/>
             <a:ext cx="170724" cy="4081246"/>
           </a:xfrm>
           <a:prstGeom prst="bentConnector2">
@@ -4863,7 +4867,7 @@
         </p:nvSpPr>
         <p:spPr>
           <a:xfrm rot="16200000">
-            <a:off x="6213739" y="4560376"/>
+            <a:off x="6674479" y="4397919"/>
             <a:ext cx="1371599" cy="328045"/>
           </a:xfrm>
           <a:prstGeom prst="roundRect">
@@ -4923,7 +4927,7 @@
         </p:nvSpPr>
         <p:spPr>
           <a:xfrm rot="16200000">
-            <a:off x="956202" y="2861202"/>
+            <a:off x="1416942" y="2698745"/>
             <a:ext cx="1093635" cy="346760"/>
           </a:xfrm>
           <a:prstGeom prst="rect">
@@ -4993,7 +4997,7 @@
         </p:nvSpPr>
         <p:spPr>
           <a:xfrm flipV="1">
-            <a:off x="1367767" y="2286001"/>
+            <a:off x="1828507" y="2123544"/>
             <a:ext cx="270504" cy="175523"/>
           </a:xfrm>
           <a:prstGeom prst="triangle">
@@ -5044,7 +5048,7 @@
         </p:nvCxnSpPr>
         <p:spPr>
           <a:xfrm rot="10800000" flipV="1">
-            <a:off x="1503020" y="1944303"/>
+            <a:off x="1963760" y="1781846"/>
             <a:ext cx="589823" cy="341697"/>
           </a:xfrm>
           <a:prstGeom prst="bentConnector2">
@@ -5086,7 +5090,7 @@
         </p:nvCxnSpPr>
         <p:spPr>
           <a:xfrm rot="16200000" flipH="1">
-            <a:off x="2226110" y="3058040"/>
+            <a:off x="2686850" y="2895583"/>
             <a:ext cx="554704" cy="174673"/>
           </a:xfrm>
           <a:prstGeom prst="bentConnector2">
@@ -5127,8 +5131,8 @@
         </p:nvCxnSpPr>
         <p:spPr>
           <a:xfrm rot="5400000">
-            <a:off x="4205956" y="1766207"/>
-            <a:ext cx="804221" cy="1843806"/>
+            <a:off x="4842050" y="1779104"/>
+            <a:ext cx="804221" cy="1493099"/>
           </a:xfrm>
           <a:prstGeom prst="bentConnector2">
             <a:avLst/>
@@ -5160,19 +5164,18 @@
       <p:cxnSp>
         <p:nvCxnSpPr>
           <p:cNvPr id="137" name="Elbow Connector 136"/>
-          <p:cNvCxnSpPr>
-            <a:stCxn id="36" idx="2"/>
-            <a:endCxn id="37" idx="1"/>
-          </p:cNvCxnSpPr>
+          <p:cNvCxnSpPr/>
           <p:nvPr/>
         </p:nvCxnSpPr>
         <p:spPr>
-          <a:xfrm rot="16200000" flipH="1">
-            <a:off x="3430123" y="3938021"/>
-            <a:ext cx="118421" cy="699979"/>
-          </a:xfrm>
-          <a:prstGeom prst="bentConnector2">
-            <a:avLst/>
+          <a:xfrm>
+            <a:off x="3588123" y="4439275"/>
+            <a:ext cx="987417" cy="104370"/>
+          </a:xfrm>
+          <a:prstGeom prst="bentConnector3">
+            <a:avLst>
+              <a:gd name="adj1" fmla="val 50000"/>
+            </a:avLst>
           </a:prstGeom>
           <a:ln w="19050">
             <a:solidFill>
@@ -5209,8 +5212,8 @@
         </p:nvCxnSpPr>
         <p:spPr>
           <a:xfrm rot="5400000">
-            <a:off x="3695875" y="2276286"/>
-            <a:ext cx="1824381" cy="1843808"/>
+            <a:off x="4332835" y="2290049"/>
+            <a:ext cx="1824381" cy="1491369"/>
           </a:xfrm>
           <a:prstGeom prst="bentConnector2">
             <a:avLst/>
@@ -5247,7 +5250,7 @@
         </p:nvSpPr>
         <p:spPr>
           <a:xfrm>
-            <a:off x="5435896" y="2743200"/>
+            <a:off x="5896636" y="2580743"/>
             <a:ext cx="229325" cy="166560"/>
           </a:xfrm>
           <a:prstGeom prst="rect">
@@ -5300,8 +5303,8 @@
         </p:nvSpPr>
         <p:spPr>
           <a:xfrm>
-            <a:off x="3687515" y="2828802"/>
-            <a:ext cx="3048000" cy="203200"/>
+            <a:off x="4118340" y="2666345"/>
+            <a:ext cx="3077915" cy="139036"/>
           </a:xfrm>
           <a:custGeom>
             <a:avLst/>
@@ -5382,7 +5385,7 @@
         </p:nvSpPr>
         <p:spPr>
           <a:xfrm>
-            <a:off x="5431573" y="4488138"/>
+            <a:off x="5892313" y="4706681"/>
             <a:ext cx="229325" cy="160062"/>
           </a:xfrm>
           <a:prstGeom prst="rect">
@@ -5435,8 +5438,8 @@
         </p:nvSpPr>
         <p:spPr>
           <a:xfrm flipV="1">
-            <a:off x="4114799" y="4472708"/>
-            <a:ext cx="2642195" cy="101600"/>
+            <a:off x="5015585" y="4664118"/>
+            <a:ext cx="2180670" cy="101600"/>
           </a:xfrm>
           <a:custGeom>
             <a:avLst/>
@@ -5506,6 +5509,606 @@
           <a:p>
             <a:pPr algn="ctr"/>
             <a:endParaRPr lang="en-SG"/>
+          </a:p>
+        </p:txBody>
+      </p:sp>
+      <p:sp>
+        <p:nvSpPr>
+          <p:cNvPr id="45" name="Rectangle 11"/>
+          <p:cNvSpPr/>
+          <p:nvPr/>
+        </p:nvSpPr>
+        <p:spPr>
+          <a:xfrm>
+            <a:off x="3041306" y="4213759"/>
+            <a:ext cx="1458034" cy="236841"/>
+          </a:xfrm>
+          <a:prstGeom prst="rect">
+            <a:avLst/>
+          </a:prstGeom>
+          <a:ln w="19050">
+            <a:solidFill>
+              <a:schemeClr val="accent3"/>
+            </a:solidFill>
+          </a:ln>
+          <a:effectLst/>
+        </p:spPr>
+        <p:style>
+          <a:lnRef idx="1">
+            <a:schemeClr val="accent3"/>
+          </a:lnRef>
+          <a:fillRef idx="2">
+            <a:schemeClr val="accent3"/>
+          </a:fillRef>
+          <a:effectRef idx="1">
+            <a:schemeClr val="accent3"/>
+          </a:effectRef>
+          <a:fontRef idx="minor">
+            <a:schemeClr val="dk1"/>
+          </a:fontRef>
+        </p:style>
+        <p:txBody>
+          <a:bodyPr rtlCol="0" anchor="ctr"/>
+          <a:lstStyle/>
+          <a:p>
+            <a:pPr algn="ctr"/>
+            <a:r>
+              <a:rPr lang="en-US" sz="1050" b="1" dirty="0" err="1">
+                <a:solidFill>
+                  <a:schemeClr val="accent3">
+                    <a:lumMod val="75000"/>
+                  </a:schemeClr>
+                </a:solidFill>
+              </a:rPr>
+              <a:t>FloatingListPanel</a:t>
+            </a:r>
+            <a:endParaRPr lang="en-SG" sz="1050" b="1" dirty="0">
+              <a:solidFill>
+                <a:schemeClr val="accent3">
+                  <a:lumMod val="75000"/>
+                </a:schemeClr>
+              </a:solidFill>
+            </a:endParaRPr>
+          </a:p>
+        </p:txBody>
+      </p:sp>
+      <p:cxnSp>
+        <p:nvCxnSpPr>
+          <p:cNvPr id="46" name="Elbow Connector 63"/>
+          <p:cNvCxnSpPr/>
+          <p:nvPr/>
+        </p:nvCxnSpPr>
+        <p:spPr>
+          <a:xfrm rot="16200000" flipH="1">
+            <a:off x="2343887" y="3590292"/>
+            <a:ext cx="1242356" cy="176400"/>
+          </a:xfrm>
+          <a:prstGeom prst="bentConnector2">
+            <a:avLst/>
+          </a:prstGeom>
+          <a:ln w="19050">
+            <a:solidFill>
+              <a:schemeClr val="accent3"/>
+            </a:solidFill>
+            <a:headEnd type="none" w="med" len="med"/>
+            <a:tailEnd type="arrow" w="med" len="med"/>
+          </a:ln>
+          <a:effectLst/>
+        </p:spPr>
+        <p:style>
+          <a:lnRef idx="1">
+            <a:schemeClr val="accent2"/>
+          </a:lnRef>
+          <a:fillRef idx="2">
+            <a:schemeClr val="accent2"/>
+          </a:fillRef>
+          <a:effectRef idx="1">
+            <a:schemeClr val="accent2"/>
+          </a:effectRef>
+          <a:fontRef idx="minor">
+            <a:schemeClr val="dk1"/>
+          </a:fontRef>
+        </p:style>
+      </p:cxnSp>
+      <p:sp>
+        <p:nvSpPr>
+          <p:cNvPr id="87" name="Rectangle 11"/>
+          <p:cNvSpPr/>
+          <p:nvPr/>
+        </p:nvSpPr>
+        <p:spPr>
+          <a:xfrm>
+            <a:off x="4634070" y="4037777"/>
+            <a:ext cx="1200793" cy="236841"/>
+          </a:xfrm>
+          <a:prstGeom prst="rect">
+            <a:avLst/>
+          </a:prstGeom>
+          <a:ln w="19050">
+            <a:solidFill>
+              <a:schemeClr val="accent3"/>
+            </a:solidFill>
+          </a:ln>
+          <a:effectLst/>
+        </p:spPr>
+        <p:style>
+          <a:lnRef idx="1">
+            <a:schemeClr val="accent3"/>
+          </a:lnRef>
+          <a:fillRef idx="2">
+            <a:schemeClr val="accent3"/>
+          </a:fillRef>
+          <a:effectRef idx="1">
+            <a:schemeClr val="accent3"/>
+          </a:effectRef>
+          <a:fontRef idx="minor">
+            <a:schemeClr val="dk1"/>
+          </a:fontRef>
+        </p:style>
+        <p:txBody>
+          <a:bodyPr rtlCol="0" anchor="ctr"/>
+          <a:lstStyle/>
+          <a:p>
+            <a:pPr algn="ctr"/>
+            <a:r>
+              <a:rPr lang="en-US" sz="1050" b="1" dirty="0" err="1">
+                <a:solidFill>
+                  <a:schemeClr val="accent3">
+                    <a:lumMod val="75000"/>
+                  </a:schemeClr>
+                </a:solidFill>
+              </a:rPr>
+              <a:t>DeadlineTaskCard</a:t>
+            </a:r>
+            <a:endParaRPr lang="en-SG" sz="1050" b="1" dirty="0">
+              <a:solidFill>
+                <a:schemeClr val="accent3">
+                  <a:lumMod val="75000"/>
+                </a:schemeClr>
+              </a:solidFill>
+            </a:endParaRPr>
+          </a:p>
+        </p:txBody>
+      </p:sp>
+      <p:sp>
+        <p:nvSpPr>
+          <p:cNvPr id="89" name="Rectangle 11"/>
+          <p:cNvSpPr/>
+          <p:nvPr/>
+        </p:nvSpPr>
+        <p:spPr>
+          <a:xfrm>
+            <a:off x="4634069" y="3661819"/>
+            <a:ext cx="1200793" cy="236841"/>
+          </a:xfrm>
+          <a:prstGeom prst="rect">
+            <a:avLst/>
+          </a:prstGeom>
+          <a:ln w="19050">
+            <a:solidFill>
+              <a:schemeClr val="accent3"/>
+            </a:solidFill>
+          </a:ln>
+          <a:effectLst/>
+        </p:spPr>
+        <p:style>
+          <a:lnRef idx="1">
+            <a:schemeClr val="accent3"/>
+          </a:lnRef>
+          <a:fillRef idx="2">
+            <a:schemeClr val="accent3"/>
+          </a:fillRef>
+          <a:effectRef idx="1">
+            <a:schemeClr val="accent3"/>
+          </a:effectRef>
+          <a:fontRef idx="minor">
+            <a:schemeClr val="dk1"/>
+          </a:fontRef>
+        </p:style>
+        <p:txBody>
+          <a:bodyPr rtlCol="0" anchor="ctr"/>
+          <a:lstStyle/>
+          <a:p>
+            <a:pPr algn="ctr"/>
+            <a:r>
+              <a:rPr lang="en-US" sz="1050" b="1" dirty="0" err="1">
+                <a:solidFill>
+                  <a:schemeClr val="accent3">
+                    <a:lumMod val="75000"/>
+                  </a:schemeClr>
+                </a:solidFill>
+              </a:rPr>
+              <a:t>EventTaskCard</a:t>
+            </a:r>
+            <a:endParaRPr lang="en-SG" sz="1050" b="1" dirty="0">
+              <a:solidFill>
+                <a:schemeClr val="accent3">
+                  <a:lumMod val="75000"/>
+                </a:schemeClr>
+              </a:solidFill>
+            </a:endParaRPr>
+          </a:p>
+        </p:txBody>
+      </p:sp>
+      <p:cxnSp>
+        <p:nvCxnSpPr>
+          <p:cNvPr id="90" name="Elbow Connector 136"/>
+          <p:cNvCxnSpPr>
+            <a:endCxn id="87" idx="1"/>
+          </p:cNvCxnSpPr>
+          <p:nvPr/>
+        </p:nvCxnSpPr>
+        <p:spPr>
+          <a:xfrm>
+            <a:off x="4081831" y="4066344"/>
+            <a:ext cx="552239" cy="89854"/>
+          </a:xfrm>
+          <a:prstGeom prst="bentConnector3">
+            <a:avLst>
+              <a:gd name="adj1" fmla="val -594"/>
+            </a:avLst>
+          </a:prstGeom>
+          <a:ln w="19050">
+            <a:solidFill>
+              <a:schemeClr val="accent3"/>
+            </a:solidFill>
+            <a:headEnd type="none" w="med" len="med"/>
+            <a:tailEnd type="arrow" w="med" len="med"/>
+          </a:ln>
+          <a:effectLst/>
+        </p:spPr>
+        <p:style>
+          <a:lnRef idx="1">
+            <a:schemeClr val="accent2"/>
+          </a:lnRef>
+          <a:fillRef idx="2">
+            <a:schemeClr val="accent2"/>
+          </a:fillRef>
+          <a:effectRef idx="1">
+            <a:schemeClr val="accent2"/>
+          </a:effectRef>
+          <a:fontRef idx="minor">
+            <a:schemeClr val="dk1"/>
+          </a:fontRef>
+        </p:style>
+      </p:cxnSp>
+      <p:cxnSp>
+        <p:nvCxnSpPr>
+          <p:cNvPr id="104" name="Elbow Connector 136"/>
+          <p:cNvCxnSpPr>
+            <a:endCxn id="89" idx="1"/>
+          </p:cNvCxnSpPr>
+          <p:nvPr/>
+        </p:nvCxnSpPr>
+        <p:spPr>
+          <a:xfrm>
+            <a:off x="4081831" y="3716617"/>
+            <a:ext cx="552238" cy="63623"/>
+          </a:xfrm>
+          <a:prstGeom prst="bentConnector3">
+            <a:avLst>
+              <a:gd name="adj1" fmla="val 268"/>
+            </a:avLst>
+          </a:prstGeom>
+          <a:ln w="19050">
+            <a:solidFill>
+              <a:schemeClr val="accent3"/>
+            </a:solidFill>
+            <a:headEnd type="none" w="med" len="med"/>
+            <a:tailEnd type="arrow" w="med" len="med"/>
+          </a:ln>
+          <a:effectLst/>
+        </p:spPr>
+        <p:style>
+          <a:lnRef idx="1">
+            <a:schemeClr val="accent2"/>
+          </a:lnRef>
+          <a:fillRef idx="2">
+            <a:schemeClr val="accent2"/>
+          </a:fillRef>
+          <a:effectRef idx="1">
+            <a:schemeClr val="accent2"/>
+          </a:effectRef>
+          <a:fontRef idx="minor">
+            <a:schemeClr val="dk1"/>
+          </a:fontRef>
+        </p:style>
+      </p:cxnSp>
+      <p:sp>
+        <p:nvSpPr>
+          <p:cNvPr id="108" name="Rectangle 107"/>
+          <p:cNvSpPr/>
+          <p:nvPr/>
+        </p:nvSpPr>
+        <p:spPr>
+          <a:xfrm>
+            <a:off x="5876595" y="4062109"/>
+            <a:ext cx="229325" cy="160062"/>
+          </a:xfrm>
+          <a:prstGeom prst="rect">
+            <a:avLst/>
+          </a:prstGeom>
+          <a:solidFill>
+            <a:schemeClr val="accent3">
+              <a:lumMod val="20000"/>
+              <a:lumOff val="80000"/>
+              <a:alpha val="80000"/>
+            </a:schemeClr>
+          </a:solidFill>
+          <a:ln>
+            <a:noFill/>
+          </a:ln>
+          <a:effectLst>
+            <a:softEdge rad="31750"/>
+          </a:effectLst>
+        </p:spPr>
+        <p:style>
+          <a:lnRef idx="2">
+            <a:schemeClr val="accent1">
+              <a:shade val="50000"/>
+            </a:schemeClr>
+          </a:lnRef>
+          <a:fillRef idx="1">
+            <a:schemeClr val="accent1"/>
+          </a:fillRef>
+          <a:effectRef idx="0">
+            <a:schemeClr val="accent1"/>
+          </a:effectRef>
+          <a:fontRef idx="minor">
+            <a:schemeClr val="lt1"/>
+          </a:fontRef>
+        </p:style>
+        <p:txBody>
+          <a:bodyPr rtlCol="0" anchor="ctr"/>
+          <a:lstStyle/>
+          <a:p>
+            <a:pPr algn="ctr"/>
+            <a:endParaRPr lang="en-SG"/>
+          </a:p>
+        </p:txBody>
+      </p:sp>
+      <p:sp>
+        <p:nvSpPr>
+          <p:cNvPr id="109" name="Freeform 117"/>
+          <p:cNvSpPr/>
+          <p:nvPr/>
+        </p:nvSpPr>
+        <p:spPr>
+          <a:xfrm rot="5173335">
+            <a:off x="5857591" y="4115782"/>
+            <a:ext cx="847891" cy="839308"/>
+          </a:xfrm>
+          <a:custGeom>
+            <a:avLst/>
+            <a:gdLst>
+              <a:gd name="connsiteX0" fmla="*/ 0 w 3048000"/>
+              <a:gd name="connsiteY0" fmla="*/ 203200 h 203200"/>
+              <a:gd name="connsiteX1" fmla="*/ 221673 w 3048000"/>
+              <a:gd name="connsiteY1" fmla="*/ 0 h 203200"/>
+              <a:gd name="connsiteX2" fmla="*/ 3048000 w 3048000"/>
+              <a:gd name="connsiteY2" fmla="*/ 0 h 203200"/>
+            </a:gdLst>
+            <a:ahLst/>
+            <a:cxnLst>
+              <a:cxn ang="0">
+                <a:pos x="connsiteX0" y="connsiteY0"/>
+              </a:cxn>
+              <a:cxn ang="0">
+                <a:pos x="connsiteX1" y="connsiteY1"/>
+              </a:cxn>
+              <a:cxn ang="0">
+                <a:pos x="connsiteX2" y="connsiteY2"/>
+              </a:cxn>
+            </a:cxnLst>
+            <a:rect l="l" t="t" r="r" b="b"/>
+            <a:pathLst>
+              <a:path w="3048000" h="203200">
+                <a:moveTo>
+                  <a:pt x="0" y="203200"/>
+                </a:moveTo>
+                <a:lnTo>
+                  <a:pt x="221673" y="0"/>
+                </a:lnTo>
+                <a:lnTo>
+                  <a:pt x="3048000" y="0"/>
+                </a:lnTo>
+              </a:path>
+            </a:pathLst>
+          </a:custGeom>
+          <a:noFill/>
+          <a:ln w="19050">
+            <a:solidFill>
+              <a:schemeClr val="accent3"/>
+            </a:solidFill>
+            <a:prstDash val="sysDot"/>
+            <a:headEnd type="none" w="med" len="med"/>
+            <a:tailEnd type="arrow" w="med" len="med"/>
+          </a:ln>
+          <a:effectLst/>
+        </p:spPr>
+        <p:style>
+          <a:lnRef idx="1">
+            <a:schemeClr val="accent2"/>
+          </a:lnRef>
+          <a:fillRef idx="2">
+            <a:schemeClr val="accent2"/>
+          </a:fillRef>
+          <a:effectRef idx="1">
+            <a:schemeClr val="accent2"/>
+          </a:effectRef>
+          <a:fontRef idx="minor">
+            <a:schemeClr val="dk1"/>
+          </a:fontRef>
+        </p:style>
+        <p:txBody>
+          <a:bodyPr rtlCol="0" anchor="ctr"/>
+          <a:lstStyle/>
+          <a:p>
+            <a:pPr algn="ctr"/>
+            <a:endParaRPr lang="en-SG"/>
+          </a:p>
+        </p:txBody>
+      </p:sp>
+      <p:sp>
+        <p:nvSpPr>
+          <p:cNvPr id="111" name="Rectangle 110"/>
+          <p:cNvSpPr/>
+          <p:nvPr/>
+        </p:nvSpPr>
+        <p:spPr>
+          <a:xfrm>
+            <a:off x="5898693" y="3706192"/>
+            <a:ext cx="229325" cy="160062"/>
+          </a:xfrm>
+          <a:prstGeom prst="rect">
+            <a:avLst/>
+          </a:prstGeom>
+          <a:solidFill>
+            <a:schemeClr val="accent3">
+              <a:lumMod val="20000"/>
+              <a:lumOff val="80000"/>
+              <a:alpha val="80000"/>
+            </a:schemeClr>
+          </a:solidFill>
+          <a:ln>
+            <a:noFill/>
+          </a:ln>
+          <a:effectLst>
+            <a:softEdge rad="31750"/>
+          </a:effectLst>
+        </p:spPr>
+        <p:style>
+          <a:lnRef idx="2">
+            <a:schemeClr val="accent1">
+              <a:shade val="50000"/>
+            </a:schemeClr>
+          </a:lnRef>
+          <a:fillRef idx="1">
+            <a:schemeClr val="accent1"/>
+          </a:fillRef>
+          <a:effectRef idx="0">
+            <a:schemeClr val="accent1"/>
+          </a:effectRef>
+          <a:fontRef idx="minor">
+            <a:schemeClr val="lt1"/>
+          </a:fontRef>
+        </p:style>
+        <p:txBody>
+          <a:bodyPr rtlCol="0" anchor="ctr"/>
+          <a:lstStyle/>
+          <a:p>
+            <a:pPr algn="ctr"/>
+            <a:endParaRPr lang="en-SG"/>
+          </a:p>
+        </p:txBody>
+      </p:sp>
+      <p:sp>
+        <p:nvSpPr>
+          <p:cNvPr id="110" name="Freeform 117"/>
+          <p:cNvSpPr/>
+          <p:nvPr/>
+        </p:nvSpPr>
+        <p:spPr>
+          <a:xfrm rot="5182253">
+            <a:off x="5650562" y="3976774"/>
+            <a:ext cx="1266702" cy="810038"/>
+          </a:xfrm>
+          <a:custGeom>
+            <a:avLst/>
+            <a:gdLst>
+              <a:gd name="connsiteX0" fmla="*/ 0 w 3048000"/>
+              <a:gd name="connsiteY0" fmla="*/ 203200 h 203200"/>
+              <a:gd name="connsiteX1" fmla="*/ 221673 w 3048000"/>
+              <a:gd name="connsiteY1" fmla="*/ 0 h 203200"/>
+              <a:gd name="connsiteX2" fmla="*/ 3048000 w 3048000"/>
+              <a:gd name="connsiteY2" fmla="*/ 0 h 203200"/>
+            </a:gdLst>
+            <a:ahLst/>
+            <a:cxnLst>
+              <a:cxn ang="0">
+                <a:pos x="connsiteX0" y="connsiteY0"/>
+              </a:cxn>
+              <a:cxn ang="0">
+                <a:pos x="connsiteX1" y="connsiteY1"/>
+              </a:cxn>
+              <a:cxn ang="0">
+                <a:pos x="connsiteX2" y="connsiteY2"/>
+              </a:cxn>
+            </a:cxnLst>
+            <a:rect l="l" t="t" r="r" b="b"/>
+            <a:pathLst>
+              <a:path w="3048000" h="203200">
+                <a:moveTo>
+                  <a:pt x="0" y="203200"/>
+                </a:moveTo>
+                <a:lnTo>
+                  <a:pt x="221673" y="0"/>
+                </a:lnTo>
+                <a:lnTo>
+                  <a:pt x="3048000" y="0"/>
+                </a:lnTo>
+              </a:path>
+            </a:pathLst>
+          </a:custGeom>
+          <a:noFill/>
+          <a:ln w="19050">
+            <a:solidFill>
+              <a:schemeClr val="accent3"/>
+            </a:solidFill>
+            <a:prstDash val="sysDot"/>
+            <a:headEnd type="none" w="med" len="med"/>
+            <a:tailEnd type="arrow" w="med" len="med"/>
+          </a:ln>
+          <a:effectLst/>
+        </p:spPr>
+        <p:style>
+          <a:lnRef idx="1">
+            <a:schemeClr val="accent2"/>
+          </a:lnRef>
+          <a:fillRef idx="2">
+            <a:schemeClr val="accent2"/>
+          </a:fillRef>
+          <a:effectRef idx="1">
+            <a:schemeClr val="accent2"/>
+          </a:effectRef>
+          <a:fontRef idx="minor">
+            <a:schemeClr val="dk1"/>
+          </a:fontRef>
+        </p:style>
+        <p:txBody>
+          <a:bodyPr rtlCol="0" anchor="ctr"/>
+          <a:lstStyle/>
+          <a:p>
+            <a:pPr algn="ctr"/>
+            <a:endParaRPr lang="en-SG" dirty="0"/>
+          </a:p>
+        </p:txBody>
+      </p:sp>
+      <p:sp>
+        <p:nvSpPr>
+          <p:cNvPr id="92" name="TextBox 91"/>
+          <p:cNvSpPr txBox="1"/>
+          <p:nvPr/>
+        </p:nvSpPr>
+        <p:spPr>
+          <a:xfrm>
+            <a:off x="6619839" y="4778823"/>
+            <a:ext cx="228600" cy="369332"/>
+          </a:xfrm>
+          <a:prstGeom prst="rect">
+            <a:avLst/>
+          </a:prstGeom>
+          <a:solidFill>
+            <a:schemeClr val="bg1"/>
+          </a:solidFill>
+        </p:spPr>
+        <p:txBody>
+          <a:bodyPr wrap="square" rtlCol="0">
+            <a:spAutoFit/>
+          </a:bodyPr>
+          <a:lstStyle/>
+          <a:p>
+            <a:endParaRPr lang="en-SG" dirty="0"/>
           </a:p>
         </p:txBody>
       </p:sp>

--- a/docs/diagrams/UiComponentClassDiagram.pptx
+++ b/docs/diagrams/UiComponentClassDiagram.pptx
@@ -126,6 +126,10 @@
 </p:presentation>
 </file>
 
+<file path=ppt/revisionInfo.xml><?xml version="1.0" encoding="utf-8"?>
+<p1510:revInfo xmlns:a="http://schemas.openxmlformats.org/drawingml/2006/main" xmlns:r="http://schemas.openxmlformats.org/officeDocument/2006/relationships" xmlns:p1510="http://schemas.microsoft.com/office/powerpoint/2015/10/main"/>
+</file>
+
 <file path=ppt/notesMasters/notesMaster1.xml><?xml version="1.0" encoding="utf-8"?>
 <p:notesMaster xmlns:a="http://schemas.openxmlformats.org/drawingml/2006/main" xmlns:r="http://schemas.openxmlformats.org/officeDocument/2006/relationships" xmlns:p="http://schemas.openxmlformats.org/presentationml/2006/main">
   <p:cSld>
@@ -208,7 +212,7 @@
           <a:p>
             <a:fld id="{F5CC4B3F-88C1-4FFA-B1B6-F41C21DC6924}" type="datetimeFigureOut">
               <a:rPr lang="en-US" smtClean="0"/>
-              <a:t>1/7/2017</a:t>
+              <a:t>7/22/2017</a:t>
             </a:fld>
             <a:endParaRPr lang="en-US"/>
           </a:p>
@@ -654,7 +658,7 @@
           <a:p>
             <a:fld id="{78C97017-6FC3-485B-9764-EAC9E56C1D49}" type="datetimeFigureOut">
               <a:rPr lang="en-US" smtClean="0"/>
-              <a:t>1/7/2017</a:t>
+              <a:t>7/22/2017</a:t>
             </a:fld>
             <a:endParaRPr lang="en-US"/>
           </a:p>
@@ -822,7 +826,7 @@
           <a:p>
             <a:fld id="{78C97017-6FC3-485B-9764-EAC9E56C1D49}" type="datetimeFigureOut">
               <a:rPr lang="en-US" smtClean="0"/>
-              <a:t>1/7/2017</a:t>
+              <a:t>7/22/2017</a:t>
             </a:fld>
             <a:endParaRPr lang="en-US"/>
           </a:p>
@@ -1000,7 +1004,7 @@
           <a:p>
             <a:fld id="{78C97017-6FC3-485B-9764-EAC9E56C1D49}" type="datetimeFigureOut">
               <a:rPr lang="en-US" smtClean="0"/>
-              <a:t>1/7/2017</a:t>
+              <a:t>7/22/2017</a:t>
             </a:fld>
             <a:endParaRPr lang="en-US"/>
           </a:p>
@@ -1168,7 +1172,7 @@
           <a:p>
             <a:fld id="{78C97017-6FC3-485B-9764-EAC9E56C1D49}" type="datetimeFigureOut">
               <a:rPr lang="en-US" smtClean="0"/>
-              <a:t>1/7/2017</a:t>
+              <a:t>7/22/2017</a:t>
             </a:fld>
             <a:endParaRPr lang="en-US"/>
           </a:p>
@@ -1413,7 +1417,7 @@
           <a:p>
             <a:fld id="{78C97017-6FC3-485B-9764-EAC9E56C1D49}" type="datetimeFigureOut">
               <a:rPr lang="en-US" smtClean="0"/>
-              <a:t>1/7/2017</a:t>
+              <a:t>7/22/2017</a:t>
             </a:fld>
             <a:endParaRPr lang="en-US"/>
           </a:p>
@@ -1698,7 +1702,7 @@
           <a:p>
             <a:fld id="{78C97017-6FC3-485B-9764-EAC9E56C1D49}" type="datetimeFigureOut">
               <a:rPr lang="en-US" smtClean="0"/>
-              <a:t>1/7/2017</a:t>
+              <a:t>7/22/2017</a:t>
             </a:fld>
             <a:endParaRPr lang="en-US"/>
           </a:p>
@@ -2117,7 +2121,7 @@
           <a:p>
             <a:fld id="{78C97017-6FC3-485B-9764-EAC9E56C1D49}" type="datetimeFigureOut">
               <a:rPr lang="en-US" smtClean="0"/>
-              <a:t>1/7/2017</a:t>
+              <a:t>7/22/2017</a:t>
             </a:fld>
             <a:endParaRPr lang="en-US"/>
           </a:p>
@@ -2234,7 +2238,7 @@
           <a:p>
             <a:fld id="{78C97017-6FC3-485B-9764-EAC9E56C1D49}" type="datetimeFigureOut">
               <a:rPr lang="en-US" smtClean="0"/>
-              <a:t>1/7/2017</a:t>
+              <a:t>7/22/2017</a:t>
             </a:fld>
             <a:endParaRPr lang="en-US"/>
           </a:p>
@@ -2329,7 +2333,7 @@
           <a:p>
             <a:fld id="{78C97017-6FC3-485B-9764-EAC9E56C1D49}" type="datetimeFigureOut">
               <a:rPr lang="en-US" smtClean="0"/>
-              <a:t>1/7/2017</a:t>
+              <a:t>7/22/2017</a:t>
             </a:fld>
             <a:endParaRPr lang="en-US"/>
           </a:p>
@@ -2604,7 +2608,7 @@
           <a:p>
             <a:fld id="{78C97017-6FC3-485B-9764-EAC9E56C1D49}" type="datetimeFigureOut">
               <a:rPr lang="en-US" smtClean="0"/>
-              <a:t>1/7/2017</a:t>
+              <a:t>7/22/2017</a:t>
             </a:fld>
             <a:endParaRPr lang="en-US"/>
           </a:p>
@@ -2856,7 +2860,7 @@
           <a:p>
             <a:fld id="{78C97017-6FC3-485B-9764-EAC9E56C1D49}" type="datetimeFigureOut">
               <a:rPr lang="en-US" smtClean="0"/>
-              <a:t>1/7/2017</a:t>
+              <a:t>7/22/2017</a:t>
             </a:fld>
             <a:endParaRPr lang="en-US"/>
           </a:p>
@@ -3067,7 +3071,7 @@
           <a:p>
             <a:fld id="{78C97017-6FC3-485B-9764-EAC9E56C1D49}" type="datetimeFigureOut">
               <a:rPr lang="en-US" smtClean="0"/>
-              <a:t>1/7/2017</a:t>
+              <a:t>7/22/2017</a:t>
             </a:fld>
             <a:endParaRPr lang="en-US"/>
           </a:p>
@@ -4045,7 +4049,7 @@
                   </a:schemeClr>
                 </a:solidFill>
               </a:rPr>
-              <a:t>PersonListPanel</a:t>
+              <a:t>TaskListPanel</a:t>
             </a:r>
             <a:endParaRPr lang="en-SG" sz="1050" b="1" dirty="0">
               <a:solidFill>
@@ -4105,7 +4109,27 @@
                   </a:schemeClr>
                 </a:solidFill>
               </a:rPr>
-              <a:t>PersonCard</a:t>
+              <a:t>T</a:t>
+            </a:r>
+            <a:r>
+              <a:rPr lang="en-US" altLang="zh-CN" sz="1050" b="1" dirty="0" err="1">
+                <a:solidFill>
+                  <a:schemeClr val="accent3">
+                    <a:lumMod val="75000"/>
+                  </a:schemeClr>
+                </a:solidFill>
+              </a:rPr>
+              <a:t>ask</a:t>
+            </a:r>
+            <a:r>
+              <a:rPr lang="en-US" sz="1050" b="1" dirty="0" err="1">
+                <a:solidFill>
+                  <a:schemeClr val="accent3">
+                    <a:lumMod val="75000"/>
+                  </a:schemeClr>
+                </a:solidFill>
+              </a:rPr>
+              <a:t>Card</a:t>
             </a:r>
             <a:endParaRPr lang="en-SG" sz="1050" b="1" dirty="0">
               <a:solidFill>
